--- a/gold_source_mapping/diagrams/process_flow.pptx
+++ b/gold_source_mapping/diagrams/process_flow.pptx
@@ -105,6 +105,11 @@
       </a:defRPr>
     </a:lvl9pPr>
   </p:defaultTextStyle>
+  <p:extLst>
+    <p:ext uri="{EFAFB233-063F-42B5-8137-9DF3F51BA10A}">
+      <p15:sldGuideLst xmlns:p15="http://schemas.microsoft.com/office/powerpoint/2012/main"/>
+    </p:ext>
+  </p:extLst>
 </p:presentation>
 </file>
 
@@ -255,7 +260,7 @@
           <a:p>
             <a:fld id="{080CE890-2A7C-4A14-84D2-D07C5A471426}" type="datetimeFigureOut">
               <a:rPr lang="en-US" smtClean="0"/>
-              <a:t>6/19/2020</a:t>
+              <a:t>6/22/2020</a:t>
             </a:fld>
             <a:endParaRPr lang="en-US"/>
           </a:p>
@@ -453,7 +458,7 @@
           <a:p>
             <a:fld id="{080CE890-2A7C-4A14-84D2-D07C5A471426}" type="datetimeFigureOut">
               <a:rPr lang="en-US" smtClean="0"/>
-              <a:t>6/19/2020</a:t>
+              <a:t>6/22/2020</a:t>
             </a:fld>
             <a:endParaRPr lang="en-US"/>
           </a:p>
@@ -661,7 +666,7 @@
           <a:p>
             <a:fld id="{080CE890-2A7C-4A14-84D2-D07C5A471426}" type="datetimeFigureOut">
               <a:rPr lang="en-US" smtClean="0"/>
-              <a:t>6/19/2020</a:t>
+              <a:t>6/22/2020</a:t>
             </a:fld>
             <a:endParaRPr lang="en-US"/>
           </a:p>
@@ -859,7 +864,7 @@
           <a:p>
             <a:fld id="{080CE890-2A7C-4A14-84D2-D07C5A471426}" type="datetimeFigureOut">
               <a:rPr lang="en-US" smtClean="0"/>
-              <a:t>6/19/2020</a:t>
+              <a:t>6/22/2020</a:t>
             </a:fld>
             <a:endParaRPr lang="en-US"/>
           </a:p>
@@ -1134,7 +1139,7 @@
           <a:p>
             <a:fld id="{080CE890-2A7C-4A14-84D2-D07C5A471426}" type="datetimeFigureOut">
               <a:rPr lang="en-US" smtClean="0"/>
-              <a:t>6/19/2020</a:t>
+              <a:t>6/22/2020</a:t>
             </a:fld>
             <a:endParaRPr lang="en-US"/>
           </a:p>
@@ -1399,7 +1404,7 @@
           <a:p>
             <a:fld id="{080CE890-2A7C-4A14-84D2-D07C5A471426}" type="datetimeFigureOut">
               <a:rPr lang="en-US" smtClean="0"/>
-              <a:t>6/19/2020</a:t>
+              <a:t>6/22/2020</a:t>
             </a:fld>
             <a:endParaRPr lang="en-US"/>
           </a:p>
@@ -1811,7 +1816,7 @@
           <a:p>
             <a:fld id="{080CE890-2A7C-4A14-84D2-D07C5A471426}" type="datetimeFigureOut">
               <a:rPr lang="en-US" smtClean="0"/>
-              <a:t>6/19/2020</a:t>
+              <a:t>6/22/2020</a:t>
             </a:fld>
             <a:endParaRPr lang="en-US"/>
           </a:p>
@@ -1952,7 +1957,7 @@
           <a:p>
             <a:fld id="{080CE890-2A7C-4A14-84D2-D07C5A471426}" type="datetimeFigureOut">
               <a:rPr lang="en-US" smtClean="0"/>
-              <a:t>6/19/2020</a:t>
+              <a:t>6/22/2020</a:t>
             </a:fld>
             <a:endParaRPr lang="en-US"/>
           </a:p>
@@ -2065,7 +2070,7 @@
           <a:p>
             <a:fld id="{080CE890-2A7C-4A14-84D2-D07C5A471426}" type="datetimeFigureOut">
               <a:rPr lang="en-US" smtClean="0"/>
-              <a:t>6/19/2020</a:t>
+              <a:t>6/22/2020</a:t>
             </a:fld>
             <a:endParaRPr lang="en-US"/>
           </a:p>
@@ -2376,7 +2381,7 @@
           <a:p>
             <a:fld id="{080CE890-2A7C-4A14-84D2-D07C5A471426}" type="datetimeFigureOut">
               <a:rPr lang="en-US" smtClean="0"/>
-              <a:t>6/19/2020</a:t>
+              <a:t>6/22/2020</a:t>
             </a:fld>
             <a:endParaRPr lang="en-US"/>
           </a:p>
@@ -2664,7 +2669,7 @@
           <a:p>
             <a:fld id="{080CE890-2A7C-4A14-84D2-D07C5A471426}" type="datetimeFigureOut">
               <a:rPr lang="en-US" smtClean="0"/>
-              <a:t>6/19/2020</a:t>
+              <a:t>6/22/2020</a:t>
             </a:fld>
             <a:endParaRPr lang="en-US"/>
           </a:p>
@@ -2905,7 +2910,7 @@
           <a:p>
             <a:fld id="{080CE890-2A7C-4A14-84D2-D07C5A471426}" type="datetimeFigureOut">
               <a:rPr lang="en-US" smtClean="0"/>
-              <a:t>6/19/2020</a:t>
+              <a:t>6/22/2020</a:t>
             </a:fld>
             <a:endParaRPr lang="en-US"/>
           </a:p>
@@ -5132,7 +5137,7 @@
         </p:blipFill>
         <p:spPr bwMode="auto">
           <a:xfrm>
-            <a:off x="3285279" y="1692335"/>
+            <a:off x="3590079" y="1692335"/>
             <a:ext cx="863600" cy="863600"/>
           </a:xfrm>
           <a:prstGeom prst="rect">
@@ -5165,13 +5170,13 @@
           <p:nvPr>
             <p:extLst>
               <p:ext uri="{D42A27DB-BD31-4B8C-83A1-F6EECF244321}">
-                <p14:modId xmlns:p14="http://schemas.microsoft.com/office/powerpoint/2010/main" val="3778952157"/>
+                <p14:modId xmlns:p14="http://schemas.microsoft.com/office/powerpoint/2010/main" val="1090237193"/>
               </p:ext>
             </p:extLst>
           </p:nvPr>
         </p:nvGraphicFramePr>
         <p:xfrm>
-          <a:off x="5223262" y="701735"/>
+          <a:off x="5223262" y="1195844"/>
           <a:ext cx="3374730" cy="1854200"/>
         </p:xfrm>
         <a:graphic>
@@ -5804,8 +5809,8 @@
         </p:nvSpPr>
         <p:spPr>
           <a:xfrm>
-            <a:off x="9466342" y="1269635"/>
-            <a:ext cx="2108018" cy="646331"/>
+            <a:off x="8743950" y="1269635"/>
+            <a:ext cx="3244850" cy="369332"/>
           </a:xfrm>
           <a:prstGeom prst="rect">
             <a:avLst/>
@@ -6207,7 +6212,7 @@
         </p:blipFill>
         <p:spPr bwMode="auto">
           <a:xfrm>
-            <a:off x="3285279" y="4998136"/>
+            <a:off x="3590079" y="4998136"/>
             <a:ext cx="863600" cy="863600"/>
           </a:xfrm>
           <a:prstGeom prst="rect">
@@ -6991,8 +6996,8 @@
         </p:nvSpPr>
         <p:spPr>
           <a:xfrm>
-            <a:off x="9466342" y="4302066"/>
-            <a:ext cx="2108018" cy="2031325"/>
+            <a:off x="8667750" y="4302066"/>
+            <a:ext cx="3867150" cy="861774"/>
           </a:xfrm>
           <a:prstGeom prst="rect">
             <a:avLst/>
@@ -7006,24 +7011,380 @@
           <a:lstStyle/>
           <a:p>
             <a:r>
-              <a:rPr lang="en-US" dirty="0"/>
+              <a:rPr lang="en-US" sz="1600" dirty="0"/>
               <a:t>{“Johnny Jones”: “John Jones”,</a:t>
             </a:r>
           </a:p>
           <a:p>
             <a:r>
-              <a:rPr lang="en-US" dirty="0"/>
+              <a:rPr lang="en-US" sz="1600" dirty="0"/>
               <a:t>“Tommy Smithfield”: “Tom Smithfield”,</a:t>
             </a:r>
           </a:p>
           <a:p>
             <a:r>
-              <a:rPr lang="en-US" dirty="0"/>
+              <a:rPr lang="en-US" sz="1600" dirty="0"/>
               <a:t>“Jon Jones”, “John Jones”}</a:t>
             </a:r>
           </a:p>
         </p:txBody>
       </p:sp>
+      <p:cxnSp>
+        <p:nvCxnSpPr>
+          <p:cNvPr id="11" name="Connector: Elbow 10">
+            <a:extLst>
+              <a:ext uri="{FF2B5EF4-FFF2-40B4-BE49-F238E27FC236}">
+                <a16:creationId xmlns:a16="http://schemas.microsoft.com/office/drawing/2014/main" id="{0EA0E0E1-5925-4BEB-A877-0A69A667F6B6}"/>
+              </a:ext>
+            </a:extLst>
+          </p:cNvPr>
+          <p:cNvCxnSpPr>
+            <a:cxnSpLocks/>
+            <a:stCxn id="2" idx="3"/>
+            <a:endCxn id="37" idx="1"/>
+          </p:cNvCxnSpPr>
+          <p:nvPr/>
+        </p:nvCxnSpPr>
+        <p:spPr>
+          <a:xfrm>
+            <a:off x="2664259" y="1349514"/>
+            <a:ext cx="925820" cy="774621"/>
+          </a:xfrm>
+          <a:prstGeom prst="bentConnector3">
+            <a:avLst/>
+          </a:prstGeom>
+          <a:ln>
+            <a:tailEnd type="triangle"/>
+          </a:ln>
+        </p:spPr>
+        <p:style>
+          <a:lnRef idx="3">
+            <a:schemeClr val="dk1"/>
+          </a:lnRef>
+          <a:fillRef idx="0">
+            <a:schemeClr val="dk1"/>
+          </a:fillRef>
+          <a:effectRef idx="2">
+            <a:schemeClr val="dk1"/>
+          </a:effectRef>
+          <a:fontRef idx="minor">
+            <a:schemeClr val="tx1"/>
+          </a:fontRef>
+        </p:style>
+      </p:cxnSp>
+      <p:cxnSp>
+        <p:nvCxnSpPr>
+          <p:cNvPr id="12" name="Connector: Elbow 11">
+            <a:extLst>
+              <a:ext uri="{FF2B5EF4-FFF2-40B4-BE49-F238E27FC236}">
+                <a16:creationId xmlns:a16="http://schemas.microsoft.com/office/drawing/2014/main" id="{594B362F-8144-49B3-A8E6-136EC5AE8575}"/>
+              </a:ext>
+            </a:extLst>
+          </p:cNvPr>
+          <p:cNvCxnSpPr>
+            <a:cxnSpLocks/>
+            <a:stCxn id="35" idx="3"/>
+            <a:endCxn id="37" idx="1"/>
+          </p:cNvCxnSpPr>
+          <p:nvPr/>
+        </p:nvCxnSpPr>
+        <p:spPr>
+          <a:xfrm flipV="1">
+            <a:off x="2664259" y="2124135"/>
+            <a:ext cx="925820" cy="956209"/>
+          </a:xfrm>
+          <a:prstGeom prst="bentConnector3">
+            <a:avLst>
+              <a:gd name="adj1" fmla="val 50000"/>
+            </a:avLst>
+          </a:prstGeom>
+          <a:ln>
+            <a:tailEnd type="triangle"/>
+          </a:ln>
+        </p:spPr>
+        <p:style>
+          <a:lnRef idx="3">
+            <a:schemeClr val="dk1"/>
+          </a:lnRef>
+          <a:fillRef idx="0">
+            <a:schemeClr val="dk1"/>
+          </a:fillRef>
+          <a:effectRef idx="2">
+            <a:schemeClr val="dk1"/>
+          </a:effectRef>
+          <a:fontRef idx="minor">
+            <a:schemeClr val="tx1"/>
+          </a:fontRef>
+        </p:style>
+      </p:cxnSp>
+      <p:cxnSp>
+        <p:nvCxnSpPr>
+          <p:cNvPr id="18" name="Connector: Elbow 17">
+            <a:extLst>
+              <a:ext uri="{FF2B5EF4-FFF2-40B4-BE49-F238E27FC236}">
+                <a16:creationId xmlns:a16="http://schemas.microsoft.com/office/drawing/2014/main" id="{646F03E4-8789-4935-AF73-E3219D1DC458}"/>
+              </a:ext>
+            </a:extLst>
+          </p:cNvPr>
+          <p:cNvCxnSpPr>
+            <a:cxnSpLocks/>
+          </p:cNvCxnSpPr>
+          <p:nvPr/>
+        </p:nvCxnSpPr>
+        <p:spPr>
+          <a:xfrm flipV="1">
+            <a:off x="4453679" y="2129294"/>
+            <a:ext cx="769583" cy="1191"/>
+          </a:xfrm>
+          <a:prstGeom prst="bentConnector3">
+            <a:avLst>
+              <a:gd name="adj1" fmla="val 50000"/>
+            </a:avLst>
+          </a:prstGeom>
+          <a:ln>
+            <a:tailEnd type="triangle"/>
+          </a:ln>
+        </p:spPr>
+        <p:style>
+          <a:lnRef idx="3">
+            <a:schemeClr val="dk1"/>
+          </a:lnRef>
+          <a:fillRef idx="0">
+            <a:schemeClr val="dk1"/>
+          </a:fillRef>
+          <a:effectRef idx="2">
+            <a:schemeClr val="dk1"/>
+          </a:effectRef>
+          <a:fontRef idx="minor">
+            <a:schemeClr val="tx1"/>
+          </a:fontRef>
+        </p:style>
+      </p:cxnSp>
+      <p:cxnSp>
+        <p:nvCxnSpPr>
+          <p:cNvPr id="22" name="Connector: Elbow 21">
+            <a:extLst>
+              <a:ext uri="{FF2B5EF4-FFF2-40B4-BE49-F238E27FC236}">
+                <a16:creationId xmlns:a16="http://schemas.microsoft.com/office/drawing/2014/main" id="{DE4199EF-9238-429A-B521-91775FA93E48}"/>
+              </a:ext>
+            </a:extLst>
+          </p:cNvPr>
+          <p:cNvCxnSpPr>
+            <a:cxnSpLocks/>
+            <a:stCxn id="37" idx="3"/>
+            <a:endCxn id="5" idx="0"/>
+          </p:cNvCxnSpPr>
+          <p:nvPr/>
+        </p:nvCxnSpPr>
+        <p:spPr>
+          <a:xfrm flipV="1">
+            <a:off x="4453679" y="1269635"/>
+            <a:ext cx="5912696" cy="854500"/>
+          </a:xfrm>
+          <a:prstGeom prst="bentConnector4">
+            <a:avLst>
+              <a:gd name="adj1" fmla="val 7820"/>
+              <a:gd name="adj2" fmla="val 126752"/>
+            </a:avLst>
+          </a:prstGeom>
+          <a:ln>
+            <a:tailEnd type="triangle"/>
+          </a:ln>
+        </p:spPr>
+        <p:style>
+          <a:lnRef idx="3">
+            <a:schemeClr val="dk1"/>
+          </a:lnRef>
+          <a:fillRef idx="0">
+            <a:schemeClr val="dk1"/>
+          </a:fillRef>
+          <a:effectRef idx="2">
+            <a:schemeClr val="dk1"/>
+          </a:effectRef>
+          <a:fontRef idx="minor">
+            <a:schemeClr val="tx1"/>
+          </a:fontRef>
+        </p:style>
+      </p:cxnSp>
+      <p:cxnSp>
+        <p:nvCxnSpPr>
+          <p:cNvPr id="26" name="Connector: Elbow 25">
+            <a:extLst>
+              <a:ext uri="{FF2B5EF4-FFF2-40B4-BE49-F238E27FC236}">
+                <a16:creationId xmlns:a16="http://schemas.microsoft.com/office/drawing/2014/main" id="{223E3C6A-5B05-4075-9F31-828734DFCBFB}"/>
+              </a:ext>
+            </a:extLst>
+          </p:cNvPr>
+          <p:cNvCxnSpPr>
+            <a:cxnSpLocks/>
+            <a:stCxn id="42" idx="3"/>
+            <a:endCxn id="43" idx="1"/>
+          </p:cNvCxnSpPr>
+          <p:nvPr/>
+        </p:nvCxnSpPr>
+        <p:spPr>
+          <a:xfrm>
+            <a:off x="2664259" y="5429936"/>
+            <a:ext cx="925820" cy="0"/>
+          </a:xfrm>
+          <a:prstGeom prst="bentConnector3">
+            <a:avLst>
+              <a:gd name="adj1" fmla="val 50000"/>
+            </a:avLst>
+          </a:prstGeom>
+          <a:ln>
+            <a:tailEnd type="triangle"/>
+          </a:ln>
+        </p:spPr>
+        <p:style>
+          <a:lnRef idx="3">
+            <a:schemeClr val="dk1"/>
+          </a:lnRef>
+          <a:fillRef idx="0">
+            <a:schemeClr val="dk1"/>
+          </a:fillRef>
+          <a:effectRef idx="2">
+            <a:schemeClr val="dk1"/>
+          </a:effectRef>
+          <a:fontRef idx="minor">
+            <a:schemeClr val="tx1"/>
+          </a:fontRef>
+        </p:style>
+      </p:cxnSp>
+      <p:cxnSp>
+        <p:nvCxnSpPr>
+          <p:cNvPr id="30" name="Connector: Elbow 29">
+            <a:extLst>
+              <a:ext uri="{FF2B5EF4-FFF2-40B4-BE49-F238E27FC236}">
+                <a16:creationId xmlns:a16="http://schemas.microsoft.com/office/drawing/2014/main" id="{257D447F-2440-4872-AE07-6DAF9DE3A10C}"/>
+              </a:ext>
+            </a:extLst>
+          </p:cNvPr>
+          <p:cNvCxnSpPr>
+            <a:cxnSpLocks/>
+            <a:stCxn id="43" idx="3"/>
+            <a:endCxn id="45" idx="0"/>
+          </p:cNvCxnSpPr>
+          <p:nvPr/>
+        </p:nvCxnSpPr>
+        <p:spPr>
+          <a:xfrm flipV="1">
+            <a:off x="4453679" y="4302066"/>
+            <a:ext cx="6147646" cy="1127870"/>
+          </a:xfrm>
+          <a:prstGeom prst="bentConnector4">
+            <a:avLst>
+              <a:gd name="adj1" fmla="val 6695"/>
+              <a:gd name="adj2" fmla="val 120268"/>
+            </a:avLst>
+          </a:prstGeom>
+          <a:ln>
+            <a:tailEnd type="triangle"/>
+          </a:ln>
+        </p:spPr>
+        <p:style>
+          <a:lnRef idx="3">
+            <a:schemeClr val="dk1"/>
+          </a:lnRef>
+          <a:fillRef idx="0">
+            <a:schemeClr val="dk1"/>
+          </a:fillRef>
+          <a:effectRef idx="2">
+            <a:schemeClr val="dk1"/>
+          </a:effectRef>
+          <a:fontRef idx="minor">
+            <a:schemeClr val="tx1"/>
+          </a:fontRef>
+        </p:style>
+      </p:cxnSp>
+      <p:cxnSp>
+        <p:nvCxnSpPr>
+          <p:cNvPr id="36" name="Connector: Elbow 35">
+            <a:extLst>
+              <a:ext uri="{FF2B5EF4-FFF2-40B4-BE49-F238E27FC236}">
+                <a16:creationId xmlns:a16="http://schemas.microsoft.com/office/drawing/2014/main" id="{75F2A944-3EB5-4E42-808B-3893FB29AE85}"/>
+              </a:ext>
+            </a:extLst>
+          </p:cNvPr>
+          <p:cNvCxnSpPr>
+            <a:cxnSpLocks/>
+          </p:cNvCxnSpPr>
+          <p:nvPr/>
+        </p:nvCxnSpPr>
+        <p:spPr>
+          <a:xfrm flipV="1">
+            <a:off x="4453679" y="5427286"/>
+            <a:ext cx="855104" cy="0"/>
+          </a:xfrm>
+          <a:prstGeom prst="bentConnector3">
+            <a:avLst>
+              <a:gd name="adj1" fmla="val 50000"/>
+            </a:avLst>
+          </a:prstGeom>
+          <a:ln>
+            <a:tailEnd type="triangle"/>
+          </a:ln>
+        </p:spPr>
+        <p:style>
+          <a:lnRef idx="3">
+            <a:schemeClr val="dk1"/>
+          </a:lnRef>
+          <a:fillRef idx="0">
+            <a:schemeClr val="dk1"/>
+          </a:fillRef>
+          <a:effectRef idx="2">
+            <a:schemeClr val="dk1"/>
+          </a:effectRef>
+          <a:fontRef idx="minor">
+            <a:schemeClr val="tx1"/>
+          </a:fontRef>
+        </p:style>
+      </p:cxnSp>
+      <p:cxnSp>
+        <p:nvCxnSpPr>
+          <p:cNvPr id="46" name="Connector: Elbow 45">
+            <a:extLst>
+              <a:ext uri="{FF2B5EF4-FFF2-40B4-BE49-F238E27FC236}">
+                <a16:creationId xmlns:a16="http://schemas.microsoft.com/office/drawing/2014/main" id="{93F1D329-3A9A-4AB0-9EE9-10EAAE77FD35}"/>
+              </a:ext>
+            </a:extLst>
+          </p:cNvPr>
+          <p:cNvCxnSpPr>
+            <a:cxnSpLocks/>
+            <a:stCxn id="41" idx="2"/>
+            <a:endCxn id="43" idx="0"/>
+          </p:cNvCxnSpPr>
+          <p:nvPr/>
+        </p:nvCxnSpPr>
+        <p:spPr>
+          <a:xfrm rot="5400000">
+            <a:off x="4492207" y="2579716"/>
+            <a:ext cx="1948092" cy="2888748"/>
+          </a:xfrm>
+          <a:prstGeom prst="bentConnector3">
+            <a:avLst>
+              <a:gd name="adj1" fmla="val 27835"/>
+            </a:avLst>
+          </a:prstGeom>
+          <a:ln>
+            <a:tailEnd type="triangle"/>
+          </a:ln>
+        </p:spPr>
+        <p:style>
+          <a:lnRef idx="3">
+            <a:schemeClr val="dk1"/>
+          </a:lnRef>
+          <a:fillRef idx="0">
+            <a:schemeClr val="dk1"/>
+          </a:fillRef>
+          <a:effectRef idx="2">
+            <a:schemeClr val="dk1"/>
+          </a:effectRef>
+          <a:fontRef idx="minor">
+            <a:schemeClr val="tx1"/>
+          </a:fontRef>
+        </p:style>
+      </p:cxnSp>
     </p:spTree>
     <p:extLst>
       <p:ext uri="{BB962C8B-B14F-4D97-AF65-F5344CB8AC3E}">
